--- a/Figures/figure_splam_spliceai_comparison/figure_splam_spliceai_comparison.pptx
+++ b/Figures/figure_splam_spliceai_comparison/figure_splam_spliceai_comparison.pptx
@@ -3414,6 +3414,126 @@
       </p:grpSpPr>
       <p:pic>
         <p:nvPicPr>
+          <p:cNvPr id="19" name="Picture 18" descr="A picture containing plot, text, diagram, line&#10;&#10;Description automatically generated">
+            <a:extLst>
+              <a:ext uri="{FF2B5EF4-FFF2-40B4-BE49-F238E27FC236}">
+                <a16:creationId xmlns:a16="http://schemas.microsoft.com/office/drawing/2014/main" id="{C5B3516A-A5CA-3C5D-68ED-AA451CE02EB0}"/>
+              </a:ext>
+            </a:extLst>
+          </p:cNvPr>
+          <p:cNvPicPr>
+            <a:picLocks noChangeAspect="1"/>
+          </p:cNvPicPr>
+          <p:nvPr/>
+        </p:nvPicPr>
+        <p:blipFill>
+          <a:blip r:embed="rId3"/>
+          <a:stretch>
+            <a:fillRect/>
+          </a:stretch>
+        </p:blipFill>
+        <p:spPr>
+          <a:xfrm>
+            <a:off x="26634932" y="25617378"/>
+            <a:ext cx="23825362" cy="10589050"/>
+          </a:xfrm>
+          <a:prstGeom prst="rect">
+            <a:avLst/>
+          </a:prstGeom>
+        </p:spPr>
+      </p:pic>
+      <p:pic>
+        <p:nvPicPr>
+          <p:cNvPr id="26" name="Picture 25" descr="A picture containing text, line, plot, screenshot&#10;&#10;Description automatically generated">
+            <a:extLst>
+              <a:ext uri="{FF2B5EF4-FFF2-40B4-BE49-F238E27FC236}">
+                <a16:creationId xmlns:a16="http://schemas.microsoft.com/office/drawing/2014/main" id="{E6A29FAA-127D-8DBB-2C79-9CA10EB2DDB7}"/>
+              </a:ext>
+            </a:extLst>
+          </p:cNvPr>
+          <p:cNvPicPr>
+            <a:picLocks noChangeAspect="1"/>
+          </p:cNvPicPr>
+          <p:nvPr/>
+        </p:nvPicPr>
+        <p:blipFill>
+          <a:blip r:embed="rId4"/>
+          <a:stretch>
+            <a:fillRect/>
+          </a:stretch>
+        </p:blipFill>
+        <p:spPr>
+          <a:xfrm>
+            <a:off x="1381586" y="25617378"/>
+            <a:ext cx="23825362" cy="10589050"/>
+          </a:xfrm>
+          <a:prstGeom prst="rect">
+            <a:avLst/>
+          </a:prstGeom>
+        </p:spPr>
+      </p:pic>
+      <p:pic>
+        <p:nvPicPr>
+          <p:cNvPr id="6" name="Picture 5" descr="A picture containing text, screenshot, line, plot&#10;&#10;Description automatically generated">
+            <a:extLst>
+              <a:ext uri="{FF2B5EF4-FFF2-40B4-BE49-F238E27FC236}">
+                <a16:creationId xmlns:a16="http://schemas.microsoft.com/office/drawing/2014/main" id="{32C6BDDD-AA3F-5B19-27C3-909879CB8933}"/>
+              </a:ext>
+            </a:extLst>
+          </p:cNvPr>
+          <p:cNvPicPr>
+            <a:picLocks noChangeAspect="1"/>
+          </p:cNvPicPr>
+          <p:nvPr/>
+        </p:nvPicPr>
+        <p:blipFill>
+          <a:blip r:embed="rId5"/>
+          <a:stretch>
+            <a:fillRect/>
+          </a:stretch>
+        </p:blipFill>
+        <p:spPr>
+          <a:xfrm>
+            <a:off x="30492894" y="1863621"/>
+            <a:ext cx="20150281" cy="11754331"/>
+          </a:xfrm>
+          <a:prstGeom prst="rect">
+            <a:avLst/>
+          </a:prstGeom>
+        </p:spPr>
+      </p:pic>
+      <p:pic>
+        <p:nvPicPr>
+          <p:cNvPr id="11" name="Picture 10" descr="A picture containing text, line, screenshot, plot&#10;&#10;Description automatically generated">
+            <a:extLst>
+              <a:ext uri="{FF2B5EF4-FFF2-40B4-BE49-F238E27FC236}">
+                <a16:creationId xmlns:a16="http://schemas.microsoft.com/office/drawing/2014/main" id="{1FAE3AD8-2EB9-5F6A-B2AE-A449DD08C1E4}"/>
+              </a:ext>
+            </a:extLst>
+          </p:cNvPr>
+          <p:cNvPicPr>
+            <a:picLocks noChangeAspect="1"/>
+          </p:cNvPicPr>
+          <p:nvPr/>
+        </p:nvPicPr>
+        <p:blipFill>
+          <a:blip r:embed="rId6"/>
+          <a:stretch>
+            <a:fillRect/>
+          </a:stretch>
+        </p:blipFill>
+        <p:spPr>
+          <a:xfrm>
+            <a:off x="30492893" y="13558552"/>
+            <a:ext cx="20150281" cy="11754331"/>
+          </a:xfrm>
+          <a:prstGeom prst="rect">
+            <a:avLst/>
+          </a:prstGeom>
+        </p:spPr>
+      </p:pic>
+      <p:pic>
+        <p:nvPicPr>
           <p:cNvPr id="4" name="Picture 3" descr="A picture containing text, line, screenshot, plot&#10;&#10;Description automatically generated">
             <a:extLst>
               <a:ext uri="{FF2B5EF4-FFF2-40B4-BE49-F238E27FC236}">
@@ -3427,7 +3547,7 @@
           <p:nvPr/>
         </p:nvPicPr>
         <p:blipFill>
-          <a:blip r:embed="rId3"/>
+          <a:blip r:embed="rId7"/>
           <a:stretch>
             <a:fillRect/>
           </a:stretch>
@@ -3457,7 +3577,7 @@
           <p:nvPr/>
         </p:nvPicPr>
         <p:blipFill>
-          <a:blip r:embed="rId4"/>
+          <a:blip r:embed="rId8"/>
           <a:stretch>
             <a:fillRect/>
           </a:stretch>
@@ -3487,7 +3607,7 @@
           <p:nvPr/>
         </p:nvPicPr>
         <p:blipFill>
-          <a:blip r:embed="rId5"/>
+          <a:blip r:embed="rId9"/>
           <a:stretch>
             <a:fillRect/>
           </a:stretch>
@@ -3517,126 +3637,6 @@
           <p:nvPr/>
         </p:nvPicPr>
         <p:blipFill>
-          <a:blip r:embed="rId6"/>
-          <a:stretch>
-            <a:fillRect/>
-          </a:stretch>
-        </p:blipFill>
-        <p:spPr>
-          <a:xfrm>
-            <a:off x="3672007" y="877686"/>
-            <a:ext cx="11816346" cy="11592693"/>
-          </a:xfrm>
-          <a:prstGeom prst="rect">
-            <a:avLst/>
-          </a:prstGeom>
-        </p:spPr>
-      </p:pic>
-      <p:pic>
-        <p:nvPicPr>
-          <p:cNvPr id="8" name="Picture 7" descr="A picture containing screenshot, line, text, plot&#10;&#10;Description automatically generated">
-            <a:extLst>
-              <a:ext uri="{FF2B5EF4-FFF2-40B4-BE49-F238E27FC236}">
-                <a16:creationId xmlns:a16="http://schemas.microsoft.com/office/drawing/2014/main" id="{7AF200D4-98BA-F6AB-0E1C-82C8F6A3DB3F}"/>
-              </a:ext>
-            </a:extLst>
-          </p:cNvPr>
-          <p:cNvPicPr>
-            <a:picLocks noChangeAspect="1"/>
-          </p:cNvPicPr>
-          <p:nvPr/>
-        </p:nvPicPr>
-        <p:blipFill>
-          <a:blip r:embed="rId7"/>
-          <a:stretch>
-            <a:fillRect/>
-          </a:stretch>
-        </p:blipFill>
-        <p:spPr>
-          <a:xfrm>
-            <a:off x="30251236" y="1510556"/>
-            <a:ext cx="20150281" cy="7836220"/>
-          </a:xfrm>
-          <a:prstGeom prst="rect">
-            <a:avLst/>
-          </a:prstGeom>
-        </p:spPr>
-      </p:pic>
-      <p:pic>
-        <p:nvPicPr>
-          <p:cNvPr id="12" name="Picture 11" descr="A picture containing line, plot, screenshot, diagram&#10;&#10;Description automatically generated">
-            <a:extLst>
-              <a:ext uri="{FF2B5EF4-FFF2-40B4-BE49-F238E27FC236}">
-                <a16:creationId xmlns:a16="http://schemas.microsoft.com/office/drawing/2014/main" id="{C863EEC9-44A4-4BCB-C5F1-8AF346AFC363}"/>
-              </a:ext>
-            </a:extLst>
-          </p:cNvPr>
-          <p:cNvPicPr>
-            <a:picLocks noChangeAspect="1"/>
-          </p:cNvPicPr>
-          <p:nvPr/>
-        </p:nvPicPr>
-        <p:blipFill>
-          <a:blip r:embed="rId8"/>
-          <a:stretch>
-            <a:fillRect/>
-          </a:stretch>
-        </p:blipFill>
-        <p:spPr>
-          <a:xfrm>
-            <a:off x="30249669" y="9438754"/>
-            <a:ext cx="20150281" cy="7836220"/>
-          </a:xfrm>
-          <a:prstGeom prst="rect">
-            <a:avLst/>
-          </a:prstGeom>
-        </p:spPr>
-      </p:pic>
-      <p:pic>
-        <p:nvPicPr>
-          <p:cNvPr id="16" name="Picture 15" descr="A picture containing line, plot, screenshot, text&#10;&#10;Description automatically generated">
-            <a:extLst>
-              <a:ext uri="{FF2B5EF4-FFF2-40B4-BE49-F238E27FC236}">
-                <a16:creationId xmlns:a16="http://schemas.microsoft.com/office/drawing/2014/main" id="{EF613F78-09CE-C227-F385-6E45C7912888}"/>
-              </a:ext>
-            </a:extLst>
-          </p:cNvPr>
-          <p:cNvPicPr>
-            <a:picLocks noChangeAspect="1"/>
-          </p:cNvPicPr>
-          <p:nvPr/>
-        </p:nvPicPr>
-        <p:blipFill>
-          <a:blip r:embed="rId9"/>
-          <a:stretch>
-            <a:fillRect/>
-          </a:stretch>
-        </p:blipFill>
-        <p:spPr>
-          <a:xfrm>
-            <a:off x="30249669" y="17366953"/>
-            <a:ext cx="20150281" cy="7836220"/>
-          </a:xfrm>
-          <a:prstGeom prst="rect">
-            <a:avLst/>
-          </a:prstGeom>
-        </p:spPr>
-      </p:pic>
-      <p:pic>
-        <p:nvPicPr>
-          <p:cNvPr id="3" name="Picture 2" descr="A picture containing text, plot, diagram, line&#10;&#10;Description automatically generated">
-            <a:extLst>
-              <a:ext uri="{FF2B5EF4-FFF2-40B4-BE49-F238E27FC236}">
-                <a16:creationId xmlns:a16="http://schemas.microsoft.com/office/drawing/2014/main" id="{4EE25085-A701-A10E-941B-C75C61B889A5}"/>
-              </a:ext>
-            </a:extLst>
-          </p:cNvPr>
-          <p:cNvPicPr>
-            <a:picLocks noChangeAspect="1"/>
-          </p:cNvPicPr>
-          <p:nvPr/>
-        </p:nvPicPr>
-        <p:blipFill>
           <a:blip r:embed="rId10"/>
           <a:stretch>
             <a:fillRect/>
@@ -3644,38 +3644,8 @@
         </p:blipFill>
         <p:spPr>
           <a:xfrm>
-            <a:off x="26617732" y="25593202"/>
-            <a:ext cx="23825362" cy="10589049"/>
-          </a:xfrm>
-          <a:prstGeom prst="rect">
-            <a:avLst/>
-          </a:prstGeom>
-        </p:spPr>
-      </p:pic>
-      <p:pic>
-        <p:nvPicPr>
-          <p:cNvPr id="5" name="Picture 4" descr="A picture containing text, line, plot, screenshot&#10;&#10;Description automatically generated">
-            <a:extLst>
-              <a:ext uri="{FF2B5EF4-FFF2-40B4-BE49-F238E27FC236}">
-                <a16:creationId xmlns:a16="http://schemas.microsoft.com/office/drawing/2014/main" id="{1B52C7B9-0277-2D19-9B02-B90246C05619}"/>
-              </a:ext>
-            </a:extLst>
-          </p:cNvPr>
-          <p:cNvPicPr>
-            <a:picLocks noChangeAspect="1"/>
-          </p:cNvPicPr>
-          <p:nvPr/>
-        </p:nvPicPr>
-        <p:blipFill>
-          <a:blip r:embed="rId11"/>
-          <a:stretch>
-            <a:fillRect/>
-          </a:stretch>
-        </p:blipFill>
-        <p:spPr>
-          <a:xfrm>
-            <a:off x="1381586" y="25617378"/>
-            <a:ext cx="23825362" cy="10589049"/>
+            <a:off x="3672007" y="877686"/>
+            <a:ext cx="11816346" cy="11592693"/>
           </a:xfrm>
           <a:prstGeom prst="rect">
             <a:avLst/>
@@ -4145,8 +4115,8 @@
         </p:nvSpPr>
         <p:spPr>
           <a:xfrm rot="16200000">
-            <a:off x="28372945" y="4386015"/>
-            <a:ext cx="2858475" cy="1015663"/>
+            <a:off x="27856733" y="7084573"/>
+            <a:ext cx="3749744" cy="1323439"/>
           </a:xfrm>
           <a:prstGeom prst="rect">
             <a:avLst/>
@@ -4160,7 +4130,7 @@
           <a:lstStyle/>
           <a:p>
             <a:r>
-              <a:rPr lang="en-US" sz="6000" b="1" dirty="0">
+              <a:rPr lang="en-US" sz="8000" b="1" dirty="0">
                 <a:latin typeface="Microsoft JhengHei UI" panose="020B0604030504040204" pitchFamily="34" charset="-120"/>
                 <a:ea typeface="Microsoft JhengHei UI" panose="020B0604030504040204" pitchFamily="34" charset="-120"/>
               </a:rPr>
@@ -4183,8 +4153,8 @@
         </p:nvSpPr>
         <p:spPr>
           <a:xfrm rot="16200000">
-            <a:off x="27374276" y="12464393"/>
-            <a:ext cx="4855816" cy="1015663"/>
+            <a:off x="27646740" y="18773997"/>
+            <a:ext cx="4169731" cy="1323439"/>
           </a:xfrm>
           <a:prstGeom prst="rect">
             <a:avLst/>
@@ -4198,50 +4168,16 @@
           <a:lstStyle/>
           <a:p>
             <a:r>
-              <a:rPr lang="en-US" sz="6000" b="1" dirty="0">
+              <a:rPr lang="en-US" sz="8000" b="1" dirty="0" err="1">
                 <a:latin typeface="Microsoft JhengHei UI" panose="020B0604030504040204" pitchFamily="34" charset="-120"/>
                 <a:ea typeface="Microsoft JhengHei UI" panose="020B0604030504040204" pitchFamily="34" charset="-120"/>
               </a:rPr>
-              <a:t>SpliceAI-10k</a:t>
-            </a:r>
-          </a:p>
-        </p:txBody>
-      </p:sp>
-      <p:sp>
-        <p:nvSpPr>
-          <p:cNvPr id="41" name="TextBox 40">
-            <a:extLst>
-              <a:ext uri="{FF2B5EF4-FFF2-40B4-BE49-F238E27FC236}">
-                <a16:creationId xmlns:a16="http://schemas.microsoft.com/office/drawing/2014/main" id="{CB3333E4-A36A-F2A7-9463-8073D25984C0}"/>
-              </a:ext>
-            </a:extLst>
-          </p:cNvPr>
-          <p:cNvSpPr txBox="1"/>
-          <p:nvPr/>
-        </p:nvSpPr>
-        <p:spPr>
-          <a:xfrm rot="16200000">
-            <a:off x="26737209" y="20388119"/>
-            <a:ext cx="6129948" cy="1015663"/>
-          </a:xfrm>
-          <a:prstGeom prst="rect">
-            <a:avLst/>
-          </a:prstGeom>
-          <a:noFill/>
-        </p:spPr>
-        <p:txBody>
-          <a:bodyPr wrap="none" rtlCol="0">
-            <a:spAutoFit/>
-          </a:bodyPr>
-          <a:lstStyle/>
-          <a:p>
-            <a:r>
-              <a:rPr lang="en-US" sz="6000" b="1" dirty="0">
-                <a:latin typeface="Microsoft JhengHei UI" panose="020B0604030504040204" pitchFamily="34" charset="-120"/>
-                <a:ea typeface="Microsoft JhengHei UI" panose="020B0604030504040204" pitchFamily="34" charset="-120"/>
-              </a:rPr>
-              <a:t>SpliceAI-10k-Ns</a:t>
-            </a:r>
+              <a:t>SpliceAI</a:t>
+            </a:r>
+            <a:endParaRPr lang="en-US" sz="8000" b="1" dirty="0">
+              <a:latin typeface="Microsoft JhengHei UI" panose="020B0604030504040204" pitchFamily="34" charset="-120"/>
+              <a:ea typeface="Microsoft JhengHei UI" panose="020B0604030504040204" pitchFamily="34" charset="-120"/>
+            </a:endParaRPr>
           </a:p>
         </p:txBody>
       </p:sp>
@@ -4435,7 +4371,7 @@
           <p:nvPr/>
         </p:nvPicPr>
         <p:blipFill rotWithShape="1">
-          <a:blip r:embed="rId12"/>
+          <a:blip r:embed="rId11"/>
           <a:srcRect l="20466" t="13746" r="1805" b="76626"/>
           <a:stretch/>
         </p:blipFill>
@@ -4443,66 +4379,6 @@
           <a:xfrm>
             <a:off x="31161318" y="330316"/>
             <a:ext cx="19072064" cy="918664"/>
-          </a:xfrm>
-          <a:prstGeom prst="rect">
-            <a:avLst/>
-          </a:prstGeom>
-        </p:spPr>
-      </p:pic>
-      <p:pic>
-        <p:nvPicPr>
-          <p:cNvPr id="18" name="Picture 17" descr="A picture containing text, screenshot, line, plot&#10;&#10;Description automatically generated">
-            <a:extLst>
-              <a:ext uri="{FF2B5EF4-FFF2-40B4-BE49-F238E27FC236}">
-                <a16:creationId xmlns:a16="http://schemas.microsoft.com/office/drawing/2014/main" id="{C3D491BD-80C4-B885-90D2-B3959923063C}"/>
-              </a:ext>
-            </a:extLst>
-          </p:cNvPr>
-          <p:cNvPicPr>
-            <a:picLocks noChangeAspect="1"/>
-          </p:cNvPicPr>
-          <p:nvPr/>
-        </p:nvPicPr>
-        <p:blipFill>
-          <a:blip r:embed="rId13"/>
-          <a:stretch>
-            <a:fillRect/>
-          </a:stretch>
-        </p:blipFill>
-        <p:spPr>
-          <a:xfrm>
-            <a:off x="29795083" y="1775530"/>
-            <a:ext cx="20152249" cy="11755479"/>
-          </a:xfrm>
-          <a:prstGeom prst="rect">
-            <a:avLst/>
-          </a:prstGeom>
-        </p:spPr>
-      </p:pic>
-      <p:pic>
-        <p:nvPicPr>
-          <p:cNvPr id="21" name="Picture 20" descr="A picture containing text, line, screenshot, plot&#10;&#10;Description automatically generated">
-            <a:extLst>
-              <a:ext uri="{FF2B5EF4-FFF2-40B4-BE49-F238E27FC236}">
-                <a16:creationId xmlns:a16="http://schemas.microsoft.com/office/drawing/2014/main" id="{8C89C64E-B334-EB04-A7FF-34008D3BB9FA}"/>
-              </a:ext>
-            </a:extLst>
-          </p:cNvPr>
-          <p:cNvPicPr>
-            <a:picLocks noChangeAspect="1"/>
-          </p:cNvPicPr>
-          <p:nvPr/>
-        </p:nvPicPr>
-        <p:blipFill>
-          <a:blip r:embed="rId14"/>
-          <a:stretch>
-            <a:fillRect/>
-          </a:stretch>
-        </p:blipFill>
-        <p:spPr>
-          <a:xfrm>
-            <a:off x="29685464" y="14065768"/>
-            <a:ext cx="20152249" cy="11755479"/>
           </a:xfrm>
           <a:prstGeom prst="rect">
             <a:avLst/>

--- a/Figures/figure_splam_spliceai_comparison/figure_splam_spliceai_comparison.pptx
+++ b/Figures/figure_splam_spliceai_comparison/figure_splam_spliceai_comparison.pptx
@@ -4385,6 +4385,41 @@
           </a:prstGeom>
         </p:spPr>
       </p:pic>
+      <p:sp>
+        <p:nvSpPr>
+          <p:cNvPr id="2" name="TextBox 1">
+            <a:extLst>
+              <a:ext uri="{FF2B5EF4-FFF2-40B4-BE49-F238E27FC236}">
+                <a16:creationId xmlns:a16="http://schemas.microsoft.com/office/drawing/2014/main" id="{A07B43DC-FD72-6D64-0B48-75A1D8D898C4}"/>
+              </a:ext>
+            </a:extLst>
+          </p:cNvPr>
+          <p:cNvSpPr txBox="1"/>
+          <p:nvPr/>
+        </p:nvSpPr>
+        <p:spPr>
+          <a:xfrm>
+            <a:off x="28534818" y="-323896"/>
+            <a:ext cx="1010213" cy="1938992"/>
+          </a:xfrm>
+          <a:prstGeom prst="rect">
+            <a:avLst/>
+          </a:prstGeom>
+          <a:noFill/>
+        </p:spPr>
+        <p:txBody>
+          <a:bodyPr wrap="none" rtlCol="0">
+            <a:spAutoFit/>
+          </a:bodyPr>
+          <a:lstStyle/>
+          <a:p>
+            <a:r>
+              <a:rPr lang="en-US" sz="12000" b="1" dirty="0"/>
+              <a:t>b</a:t>
+            </a:r>
+          </a:p>
+        </p:txBody>
+      </p:sp>
     </p:spTree>
     <p:extLst>
       <p:ext uri="{BB962C8B-B14F-4D97-AF65-F5344CB8AC3E}">
